--- a/data/template/format_report-analysis_yeomine.pptx
+++ b/data/template/format_report-analysis_yeomine.pptx
@@ -9,20 +9,21 @@
     <p:sldId id="257" r:id="rId3"/>
     <p:sldId id="261" r:id="rId4"/>
     <p:sldId id="262" r:id="rId5"/>
+    <p:sldId id="263" r:id="rId6"/>
   </p:sldIdLst>
   <p:sldSz cx="18288000" cy="10287000"/>
   <p:notesSz cx="6858000" cy="9144000"/>
   <p:embeddedFontLst>
     <p:embeddedFont>
       <p:font typeface="Archivo Black" panose="020B0604020202020204" charset="0"/>
-      <p:regular r:id="rId6"/>
+      <p:regular r:id="rId7"/>
     </p:embeddedFont>
     <p:embeddedFont>
       <p:font typeface="Calibri" panose="020F0502020204030204" pitchFamily="34" charset="0"/>
-      <p:regular r:id="rId7"/>
-      <p:bold r:id="rId8"/>
-      <p:italic r:id="rId9"/>
-      <p:boldItalic r:id="rId10"/>
+      <p:regular r:id="rId8"/>
+      <p:bold r:id="rId9"/>
+      <p:italic r:id="rId10"/>
+      <p:boldItalic r:id="rId11"/>
     </p:embeddedFont>
   </p:embeddedFontLst>
   <p:defaultTextStyle>
@@ -319,7 +320,7 @@
             <a:fld id="{1D8BD707-D9CF-40AE-B4C6-C98DA3205C09}" type="datetimeFigureOut">
               <a:rPr lang="en-US" smtClean="0"/>
               <a:pPr/>
-              <a:t>8/7/2023</a:t>
+              <a:t>8/24/2023</a:t>
             </a:fld>
             <a:endParaRPr lang="en-US"/>
           </a:p>
@@ -484,7 +485,7 @@
             <a:fld id="{1D8BD707-D9CF-40AE-B4C6-C98DA3205C09}" type="datetimeFigureOut">
               <a:rPr lang="en-US" smtClean="0"/>
               <a:pPr/>
-              <a:t>8/7/2023</a:t>
+              <a:t>8/24/2023</a:t>
             </a:fld>
             <a:endParaRPr lang="en-US"/>
           </a:p>
@@ -659,7 +660,7 @@
             <a:fld id="{1D8BD707-D9CF-40AE-B4C6-C98DA3205C09}" type="datetimeFigureOut">
               <a:rPr lang="en-US" smtClean="0"/>
               <a:pPr/>
-              <a:t>8/7/2023</a:t>
+              <a:t>8/24/2023</a:t>
             </a:fld>
             <a:endParaRPr lang="en-US"/>
           </a:p>
@@ -824,7 +825,7 @@
             <a:fld id="{1D8BD707-D9CF-40AE-B4C6-C98DA3205C09}" type="datetimeFigureOut">
               <a:rPr lang="en-US" smtClean="0"/>
               <a:pPr/>
-              <a:t>8/7/2023</a:t>
+              <a:t>8/24/2023</a:t>
             </a:fld>
             <a:endParaRPr lang="en-US"/>
           </a:p>
@@ -1066,7 +1067,7 @@
             <a:fld id="{1D8BD707-D9CF-40AE-B4C6-C98DA3205C09}" type="datetimeFigureOut">
               <a:rPr lang="en-US" smtClean="0"/>
               <a:pPr/>
-              <a:t>8/7/2023</a:t>
+              <a:t>8/24/2023</a:t>
             </a:fld>
             <a:endParaRPr lang="en-US"/>
           </a:p>
@@ -1348,7 +1349,7 @@
             <a:fld id="{1D8BD707-D9CF-40AE-B4C6-C98DA3205C09}" type="datetimeFigureOut">
               <a:rPr lang="en-US" smtClean="0"/>
               <a:pPr/>
-              <a:t>8/7/2023</a:t>
+              <a:t>8/24/2023</a:t>
             </a:fld>
             <a:endParaRPr lang="en-US"/>
           </a:p>
@@ -1764,7 +1765,7 @@
             <a:fld id="{1D8BD707-D9CF-40AE-B4C6-C98DA3205C09}" type="datetimeFigureOut">
               <a:rPr lang="en-US" smtClean="0"/>
               <a:pPr/>
-              <a:t>8/7/2023</a:t>
+              <a:t>8/24/2023</a:t>
             </a:fld>
             <a:endParaRPr lang="en-US"/>
           </a:p>
@@ -1878,7 +1879,7 @@
             <a:fld id="{1D8BD707-D9CF-40AE-B4C6-C98DA3205C09}" type="datetimeFigureOut">
               <a:rPr lang="en-US" smtClean="0"/>
               <a:pPr/>
-              <a:t>8/7/2023</a:t>
+              <a:t>8/24/2023</a:t>
             </a:fld>
             <a:endParaRPr lang="en-US"/>
           </a:p>
@@ -1970,7 +1971,7 @@
             <a:fld id="{1D8BD707-D9CF-40AE-B4C6-C98DA3205C09}" type="datetimeFigureOut">
               <a:rPr lang="en-US" smtClean="0"/>
               <a:pPr/>
-              <a:t>8/7/2023</a:t>
+              <a:t>8/24/2023</a:t>
             </a:fld>
             <a:endParaRPr lang="en-US"/>
           </a:p>
@@ -2242,7 +2243,7 @@
             <a:fld id="{1D8BD707-D9CF-40AE-B4C6-C98DA3205C09}" type="datetimeFigureOut">
               <a:rPr lang="en-US" smtClean="0"/>
               <a:pPr/>
-              <a:t>8/7/2023</a:t>
+              <a:t>8/24/2023</a:t>
             </a:fld>
             <a:endParaRPr lang="en-US"/>
           </a:p>
@@ -2491,7 +2492,7 @@
             <a:fld id="{1D8BD707-D9CF-40AE-B4C6-C98DA3205C09}" type="datetimeFigureOut">
               <a:rPr lang="en-US" smtClean="0"/>
               <a:pPr/>
-              <a:t>8/7/2023</a:t>
+              <a:t>8/24/2023</a:t>
             </a:fld>
             <a:endParaRPr lang="en-US"/>
           </a:p>
@@ -2699,7 +2700,7 @@
             <a:fld id="{1D8BD707-D9CF-40AE-B4C6-C98DA3205C09}" type="datetimeFigureOut">
               <a:rPr lang="en-US" smtClean="0"/>
               <a:pPr/>
-              <a:t>8/7/2023</a:t>
+              <a:t>8/24/2023</a:t>
             </a:fld>
             <a:endParaRPr lang="en-US"/>
           </a:p>
@@ -3983,6 +3984,273 @@
 </p:sld>
 </file>
 
+<file path=ppt/slides/slide5.xml><?xml version="1.0" encoding="utf-8"?>
+<p:sld xmlns:a="http://schemas.openxmlformats.org/drawingml/2006/main" xmlns:r="http://schemas.openxmlformats.org/officeDocument/2006/relationships" xmlns:p="http://schemas.openxmlformats.org/presentationml/2006/main">
+  <p:cSld>
+    <p:spTree>
+      <p:nvGrpSpPr>
+        <p:cNvPr id="1" name=""/>
+        <p:cNvGrpSpPr/>
+        <p:nvPr/>
+      </p:nvGrpSpPr>
+      <p:grpSpPr>
+        <a:xfrm>
+          <a:off x="0" y="0"/>
+          <a:ext cx="0" cy="0"/>
+          <a:chOff x="0" y="0"/>
+          <a:chExt cx="0" cy="0"/>
+        </a:xfrm>
+      </p:grpSpPr>
+      <p:sp>
+        <p:nvSpPr>
+          <p:cNvPr id="2" name="Freeform 2"/>
+          <p:cNvSpPr/>
+          <p:nvPr/>
+        </p:nvSpPr>
+        <p:spPr>
+          <a:xfrm flipH="1" flipV="1">
+            <a:off x="52251" y="0"/>
+            <a:ext cx="18288000" cy="10287000"/>
+          </a:xfrm>
+          <a:custGeom>
+            <a:avLst/>
+            <a:gdLst/>
+            <a:ahLst/>
+            <a:cxnLst/>
+            <a:rect l="l" t="t" r="r" b="b"/>
+            <a:pathLst>
+              <a:path w="18288000" h="10287000">
+                <a:moveTo>
+                  <a:pt x="18288000" y="10287000"/>
+                </a:moveTo>
+                <a:lnTo>
+                  <a:pt x="0" y="10287000"/>
+                </a:lnTo>
+                <a:lnTo>
+                  <a:pt x="0" y="0"/>
+                </a:lnTo>
+                <a:lnTo>
+                  <a:pt x="18288000" y="0"/>
+                </a:lnTo>
+                <a:lnTo>
+                  <a:pt x="18288000" y="10287000"/>
+                </a:lnTo>
+                <a:close/>
+              </a:path>
+            </a:pathLst>
+          </a:custGeom>
+          <a:blipFill>
+            <a:blip r:embed="rId2"/>
+            <a:stretch>
+              <a:fillRect t="-38888" b="-38888"/>
+            </a:stretch>
+          </a:blipFill>
+        </p:spPr>
+      </p:sp>
+      <p:grpSp>
+        <p:nvGrpSpPr>
+          <p:cNvPr id="3" name="Group 3"/>
+          <p:cNvGrpSpPr/>
+          <p:nvPr/>
+        </p:nvGrpSpPr>
+        <p:grpSpPr>
+          <a:xfrm>
+            <a:off x="1" y="-7563"/>
+            <a:ext cx="4492376" cy="10674983"/>
+            <a:chOff x="0" y="0"/>
+            <a:chExt cx="450623" cy="2811518"/>
+          </a:xfrm>
+        </p:grpSpPr>
+        <p:sp>
+          <p:nvSpPr>
+            <p:cNvPr id="4" name="Freeform 4"/>
+            <p:cNvSpPr/>
+            <p:nvPr/>
+          </p:nvSpPr>
+          <p:spPr>
+            <a:xfrm>
+              <a:off x="0" y="0"/>
+              <a:ext cx="450623" cy="2811518"/>
+            </a:xfrm>
+            <a:custGeom>
+              <a:avLst/>
+              <a:gdLst/>
+              <a:ahLst/>
+              <a:cxnLst/>
+              <a:rect l="l" t="t" r="r" b="b"/>
+              <a:pathLst>
+                <a:path w="450623" h="2811518">
+                  <a:moveTo>
+                    <a:pt x="0" y="0"/>
+                  </a:moveTo>
+                  <a:lnTo>
+                    <a:pt x="450623" y="0"/>
+                  </a:lnTo>
+                  <a:lnTo>
+                    <a:pt x="450623" y="2811518"/>
+                  </a:lnTo>
+                  <a:lnTo>
+                    <a:pt x="0" y="2811518"/>
+                  </a:lnTo>
+                  <a:close/>
+                </a:path>
+              </a:pathLst>
+            </a:custGeom>
+            <a:gradFill rotWithShape="1">
+              <a:gsLst>
+                <a:gs pos="0">
+                  <a:srgbClr val="696969">
+                    <a:alpha val="72000"/>
+                  </a:srgbClr>
+                </a:gs>
+                <a:gs pos="33333">
+                  <a:srgbClr val="B4B4B4">
+                    <a:alpha val="82500"/>
+                  </a:srgbClr>
+                </a:gs>
+                <a:gs pos="66667">
+                  <a:srgbClr val="EEEEEE">
+                    <a:alpha val="70500"/>
+                  </a:srgbClr>
+                </a:gs>
+                <a:gs pos="100000">
+                  <a:srgbClr val="FBFBFB">
+                    <a:alpha val="22000"/>
+                  </a:srgbClr>
+                </a:gs>
+              </a:gsLst>
+              <a:lin ang="0"/>
+            </a:gradFill>
+            <a:ln>
+              <a:noFill/>
+            </a:ln>
+          </p:spPr>
+        </p:sp>
+        <p:sp>
+          <p:nvSpPr>
+            <p:cNvPr id="5" name="TextBox 5"/>
+            <p:cNvSpPr txBox="1"/>
+            <p:nvPr/>
+          </p:nvSpPr>
+          <p:spPr>
+            <a:xfrm>
+              <a:off x="0" y="-19050"/>
+              <a:ext cx="812800" cy="831850"/>
+            </a:xfrm>
+            <a:prstGeom prst="rect">
+              <a:avLst/>
+            </a:prstGeom>
+          </p:spPr>
+          <p:txBody>
+            <a:bodyPr lIns="50800" tIns="50800" rIns="50800" bIns="50800" rtlCol="0" anchor="ctr"/>
+            <a:lstStyle/>
+            <a:p>
+              <a:pPr marL="0" lvl="0" indent="0" algn="ctr">
+                <a:lnSpc>
+                  <a:spcPts val="2859"/>
+                </a:lnSpc>
+                <a:spcBef>
+                  <a:spcPct val="0"/>
+                </a:spcBef>
+              </a:pPr>
+              <a:endParaRPr/>
+            </a:p>
+          </p:txBody>
+        </p:sp>
+      </p:grpSp>
+      <p:sp>
+        <p:nvSpPr>
+          <p:cNvPr id="8" name="TextBox 12">
+            <a:extLst>
+              <a:ext uri="{FF2B5EF4-FFF2-40B4-BE49-F238E27FC236}">
+                <a16:creationId xmlns:a16="http://schemas.microsoft.com/office/drawing/2014/main" id="{3F379D6F-7BB8-49BB-974D-F79DABF6DE31}"/>
+              </a:ext>
+            </a:extLst>
+          </p:cNvPr>
+          <p:cNvSpPr txBox="1"/>
+          <p:nvPr/>
+        </p:nvSpPr>
+        <p:spPr>
+          <a:xfrm>
+            <a:off x="2514600" y="571500"/>
+            <a:ext cx="7345101" cy="615553"/>
+          </a:xfrm>
+          <a:prstGeom prst="rect">
+            <a:avLst/>
+          </a:prstGeom>
+        </p:spPr>
+        <p:txBody>
+          <a:bodyPr lIns="0" tIns="0" rIns="0" bIns="0" rtlCol="0" anchor="t">
+            <a:spAutoFit/>
+          </a:bodyPr>
+          <a:lstStyle/>
+          <a:p>
+            <a:pPr>
+              <a:lnSpc>
+                <a:spcPts val="4830"/>
+              </a:lnSpc>
+            </a:pPr>
+            <a:r>
+              <a:rPr lang="en-US" sz="4000" spc="49" dirty="0">
+                <a:solidFill>
+                  <a:srgbClr val="040506"/>
+                </a:solidFill>
+                <a:latin typeface="Archivo Black"/>
+              </a:rPr>
+              <a:t>Sub-Title</a:t>
+            </a:r>
+          </a:p>
+        </p:txBody>
+      </p:sp>
+      <p:pic>
+        <p:nvPicPr>
+          <p:cNvPr id="7" name="Picture 6">
+            <a:extLst>
+              <a:ext uri="{FF2B5EF4-FFF2-40B4-BE49-F238E27FC236}">
+                <a16:creationId xmlns:a16="http://schemas.microsoft.com/office/drawing/2014/main" id="{F07EBCE5-CB01-4EA0-B18F-BF63D29EFAB6}"/>
+              </a:ext>
+            </a:extLst>
+          </p:cNvPr>
+          <p:cNvPicPr>
+            <a:picLocks noChangeAspect="1"/>
+          </p:cNvPicPr>
+          <p:nvPr/>
+        </p:nvPicPr>
+        <p:blipFill>
+          <a:blip r:embed="rId3" cstate="print">
+            <a:extLst>
+              <a:ext uri="{28A0092B-C50C-407E-A947-70E740481C1C}">
+                <a14:useLocalDpi xmlns:a14="http://schemas.microsoft.com/office/drawing/2010/main" val="0"/>
+              </a:ext>
+            </a:extLst>
+          </a:blip>
+          <a:stretch>
+            <a:fillRect/>
+          </a:stretch>
+        </p:blipFill>
+        <p:spPr>
+          <a:xfrm>
+            <a:off x="14630400" y="525636"/>
+            <a:ext cx="3014478" cy="661417"/>
+          </a:xfrm>
+          <a:prstGeom prst="rect">
+            <a:avLst/>
+          </a:prstGeom>
+        </p:spPr>
+      </p:pic>
+    </p:spTree>
+    <p:extLst>
+      <p:ext uri="{BB962C8B-B14F-4D97-AF65-F5344CB8AC3E}">
+        <p14:creationId xmlns:p14="http://schemas.microsoft.com/office/powerpoint/2010/main" val="645429019"/>
+      </p:ext>
+    </p:extLst>
+  </p:cSld>
+  <p:clrMapOvr>
+    <a:masterClrMapping/>
+  </p:clrMapOvr>
+</p:sld>
+</file>
+
 <file path=ppt/theme/theme1.xml><?xml version="1.0" encoding="utf-8"?>
 <a:theme xmlns:a="http://schemas.openxmlformats.org/drawingml/2006/main" name="Office Theme">
   <a:themeElements>
